--- a/introduction.pptx
+++ b/introduction.pptx
@@ -5,10 +5,11 @@
     <p:sldMasterId id="2147483648" r:id="rId1"/>
   </p:sldMasterIdLst>
   <p:notesMasterIdLst>
-    <p:notesMasterId r:id="rId3"/>
+    <p:notesMasterId r:id="rId4"/>
   </p:notesMasterIdLst>
   <p:sldIdLst>
     <p:sldId id="258" r:id="rId2"/>
+    <p:sldId id="259" r:id="rId3"/>
   </p:sldIdLst>
   <p:sldSz cx="12192000" cy="6858000"/>
   <p:notesSz cx="6858000" cy="9144000"/>
@@ -197,7 +198,7 @@
           <a:p>
             <a:fld id="{C0546B5F-B17E-4A11-A9CD-A10C644EC78D}" type="datetimeFigureOut">
               <a:rPr lang="zh-CN" altLang="en-US" smtClean="0"/>
-              <a:t>2020/12/9</a:t>
+              <a:t>2020/12/13</a:t>
             </a:fld>
             <a:endParaRPr lang="zh-CN" altLang="en-US"/>
           </a:p>
@@ -695,7 +696,7 @@
           <a:p>
             <a:fld id="{22C6D5CB-9E91-4D8B-8A6F-E7E64CE5E759}" type="datetimeFigureOut">
               <a:rPr lang="zh-CN" altLang="en-US" smtClean="0"/>
-              <a:t>2020/12/9</a:t>
+              <a:t>2020/12/13</a:t>
             </a:fld>
             <a:endParaRPr lang="zh-CN" altLang="en-US"/>
           </a:p>
@@ -893,7 +894,7 @@
           <a:p>
             <a:fld id="{22C6D5CB-9E91-4D8B-8A6F-E7E64CE5E759}" type="datetimeFigureOut">
               <a:rPr lang="zh-CN" altLang="en-US" smtClean="0"/>
-              <a:t>2020/12/9</a:t>
+              <a:t>2020/12/13</a:t>
             </a:fld>
             <a:endParaRPr lang="zh-CN" altLang="en-US"/>
           </a:p>
@@ -1101,7 +1102,7 @@
           <a:p>
             <a:fld id="{22C6D5CB-9E91-4D8B-8A6F-E7E64CE5E759}" type="datetimeFigureOut">
               <a:rPr lang="zh-CN" altLang="en-US" smtClean="0"/>
-              <a:t>2020/12/9</a:t>
+              <a:t>2020/12/13</a:t>
             </a:fld>
             <a:endParaRPr lang="zh-CN" altLang="en-US"/>
           </a:p>
@@ -1299,7 +1300,7 @@
           <a:p>
             <a:fld id="{22C6D5CB-9E91-4D8B-8A6F-E7E64CE5E759}" type="datetimeFigureOut">
               <a:rPr lang="zh-CN" altLang="en-US" smtClean="0"/>
-              <a:t>2020/12/9</a:t>
+              <a:t>2020/12/13</a:t>
             </a:fld>
             <a:endParaRPr lang="zh-CN" altLang="en-US"/>
           </a:p>
@@ -1574,7 +1575,7 @@
           <a:p>
             <a:fld id="{22C6D5CB-9E91-4D8B-8A6F-E7E64CE5E759}" type="datetimeFigureOut">
               <a:rPr lang="zh-CN" altLang="en-US" smtClean="0"/>
-              <a:t>2020/12/9</a:t>
+              <a:t>2020/12/13</a:t>
             </a:fld>
             <a:endParaRPr lang="zh-CN" altLang="en-US"/>
           </a:p>
@@ -1839,7 +1840,7 @@
           <a:p>
             <a:fld id="{22C6D5CB-9E91-4D8B-8A6F-E7E64CE5E759}" type="datetimeFigureOut">
               <a:rPr lang="zh-CN" altLang="en-US" smtClean="0"/>
-              <a:t>2020/12/9</a:t>
+              <a:t>2020/12/13</a:t>
             </a:fld>
             <a:endParaRPr lang="zh-CN" altLang="en-US"/>
           </a:p>
@@ -2251,7 +2252,7 @@
           <a:p>
             <a:fld id="{22C6D5CB-9E91-4D8B-8A6F-E7E64CE5E759}" type="datetimeFigureOut">
               <a:rPr lang="zh-CN" altLang="en-US" smtClean="0"/>
-              <a:t>2020/12/9</a:t>
+              <a:t>2020/12/13</a:t>
             </a:fld>
             <a:endParaRPr lang="zh-CN" altLang="en-US"/>
           </a:p>
@@ -2392,7 +2393,7 @@
           <a:p>
             <a:fld id="{22C6D5CB-9E91-4D8B-8A6F-E7E64CE5E759}" type="datetimeFigureOut">
               <a:rPr lang="zh-CN" altLang="en-US" smtClean="0"/>
-              <a:t>2020/12/9</a:t>
+              <a:t>2020/12/13</a:t>
             </a:fld>
             <a:endParaRPr lang="zh-CN" altLang="en-US"/>
           </a:p>
@@ -2505,7 +2506,7 @@
           <a:p>
             <a:fld id="{22C6D5CB-9E91-4D8B-8A6F-E7E64CE5E759}" type="datetimeFigureOut">
               <a:rPr lang="zh-CN" altLang="en-US" smtClean="0"/>
-              <a:t>2020/12/9</a:t>
+              <a:t>2020/12/13</a:t>
             </a:fld>
             <a:endParaRPr lang="zh-CN" altLang="en-US"/>
           </a:p>
@@ -2816,7 +2817,7 @@
           <a:p>
             <a:fld id="{22C6D5CB-9E91-4D8B-8A6F-E7E64CE5E759}" type="datetimeFigureOut">
               <a:rPr lang="zh-CN" altLang="en-US" smtClean="0"/>
-              <a:t>2020/12/9</a:t>
+              <a:t>2020/12/13</a:t>
             </a:fld>
             <a:endParaRPr lang="zh-CN" altLang="en-US"/>
           </a:p>
@@ -3104,7 +3105,7 @@
           <a:p>
             <a:fld id="{22C6D5CB-9E91-4D8B-8A6F-E7E64CE5E759}" type="datetimeFigureOut">
               <a:rPr lang="zh-CN" altLang="en-US" smtClean="0"/>
-              <a:t>2020/12/9</a:t>
+              <a:t>2020/12/13</a:t>
             </a:fld>
             <a:endParaRPr lang="zh-CN" altLang="en-US"/>
           </a:p>
@@ -3345,7 +3346,7 @@
           <a:p>
             <a:fld id="{22C6D5CB-9E91-4D8B-8A6F-E7E64CE5E759}" type="datetimeFigureOut">
               <a:rPr lang="zh-CN" altLang="en-US" smtClean="0"/>
-              <a:t>2020/12/9</a:t>
+              <a:t>2020/12/13</a:t>
             </a:fld>
             <a:endParaRPr lang="zh-CN" altLang="en-US"/>
           </a:p>
@@ -3776,10 +3777,10 @@
         </p:nvGrpSpPr>
         <p:grpSpPr>
           <a:xfrm>
-            <a:off x="1979537" y="474380"/>
-            <a:ext cx="6609659" cy="6214095"/>
-            <a:chOff x="1650607" y="-450167"/>
-            <a:chExt cx="6339843" cy="5909238"/>
+            <a:off x="2072004" y="321952"/>
+            <a:ext cx="6609659" cy="6214096"/>
+            <a:chOff x="1650607" y="-450168"/>
+            <a:chExt cx="6339843" cy="5909239"/>
           </a:xfrm>
         </p:grpSpPr>
         <p:sp>
@@ -3855,8 +3856,8 @@
           </p:nvSpPr>
           <p:spPr>
             <a:xfrm>
-              <a:off x="1650609" y="-450166"/>
-              <a:ext cx="4004603" cy="3319976"/>
+              <a:off x="1650607" y="-450168"/>
+              <a:ext cx="4004604" cy="2878060"/>
             </a:xfrm>
             <a:prstGeom prst="rect">
               <a:avLst/>
@@ -4063,10 +4064,20 @@
                   <a:latin typeface="SimSun" panose="02010600030101010101" pitchFamily="2" charset="-122"/>
                   <a:ea typeface="SimSun" panose="02010600030101010101" pitchFamily="2" charset="-122"/>
                 </a:rPr>
-                <a:t>。您的任务是操纵方向键（上、下、左、右），使自己以最少步数</a:t>
+                <a:t>。您的任务是操纵方向键（上、下、左、右），使自己以</a:t>
               </a:r>
               <a:r>
-                <a:rPr lang="zh-CN" altLang="en-US" b="1" dirty="0">
+                <a:rPr lang="zh-CN" altLang="en-US" b="1" u="sng" dirty="0">
+                  <a:solidFill>
+                    <a:schemeClr val="tx1"/>
+                  </a:solidFill>
+                  <a:latin typeface="SimSun" panose="02010600030101010101" pitchFamily="2" charset="-122"/>
+                  <a:ea typeface="SimSun" panose="02010600030101010101" pitchFamily="2" charset="-122"/>
+                </a:rPr>
+                <a:t>最少步数</a:t>
+              </a:r>
+              <a:r>
+                <a:rPr lang="zh-CN" altLang="en-US" b="1" u="sng" dirty="0">
                   <a:solidFill>
                     <a:schemeClr val="tx1"/>
                   </a:solidFill>
@@ -4142,7 +4153,7 @@
           </p:blipFill>
           <p:spPr>
             <a:xfrm>
-              <a:off x="5655212" y="753270"/>
+              <a:off x="5809725" y="606717"/>
               <a:ext cx="1336661" cy="1339078"/>
             </a:xfrm>
             <a:prstGeom prst="rect">
@@ -4164,7 +4175,7 @@
           </p:nvSpPr>
           <p:spPr>
             <a:xfrm>
-              <a:off x="1650607" y="3451493"/>
+              <a:off x="1668866" y="3180741"/>
               <a:ext cx="5495779" cy="2007578"/>
             </a:xfrm>
             <a:prstGeom prst="rect">
@@ -4360,6 +4371,76 @@
             </a:p>
             <a:p>
               <a:pPr lvl="2"/>
+              <a:r>
+                <a:rPr lang="en-US" altLang="zh-CN" b="1" dirty="0">
+                  <a:solidFill>
+                    <a:schemeClr val="tx1"/>
+                  </a:solidFill>
+                  <a:latin typeface="SimSun" panose="02010600030101010101" pitchFamily="2" charset="-122"/>
+                  <a:ea typeface="SimSun" panose="02010600030101010101" pitchFamily="2" charset="-122"/>
+                </a:rPr>
+                <a:t>4.</a:t>
+              </a:r>
+              <a:r>
+                <a:rPr lang="zh-CN" altLang="en-US" b="1" dirty="0">
+                  <a:solidFill>
+                    <a:schemeClr val="tx1"/>
+                  </a:solidFill>
+                  <a:latin typeface="SimSun" panose="02010600030101010101" pitchFamily="2" charset="-122"/>
+                  <a:ea typeface="SimSun" panose="02010600030101010101" pitchFamily="2" charset="-122"/>
+                </a:rPr>
+                <a:t> 请尽快到达餐馆，若有一步的反应时间超过</a:t>
+              </a:r>
+              <a:r>
+                <a:rPr lang="en-US" altLang="zh-CN" b="1" dirty="0">
+                  <a:solidFill>
+                    <a:schemeClr val="tx1"/>
+                  </a:solidFill>
+                  <a:latin typeface="SimSun" panose="02010600030101010101" pitchFamily="2" charset="-122"/>
+                  <a:ea typeface="SimSun" panose="02010600030101010101" pitchFamily="2" charset="-122"/>
+                </a:rPr>
+                <a:t>5</a:t>
+              </a:r>
+              <a:r>
+                <a:rPr lang="zh-CN" altLang="en-US" b="1" dirty="0">
+                  <a:solidFill>
+                    <a:schemeClr val="tx1"/>
+                  </a:solidFill>
+                  <a:latin typeface="SimSun" panose="02010600030101010101" pitchFamily="2" charset="-122"/>
+                  <a:ea typeface="SimSun" panose="02010600030101010101" pitchFamily="2" charset="-122"/>
+                </a:rPr>
+                <a:t>秒</a:t>
+              </a:r>
+              <a:r>
+                <a:rPr lang="en-US" altLang="zh-CN" b="1" dirty="0">
+                  <a:solidFill>
+                    <a:schemeClr val="tx1"/>
+                  </a:solidFill>
+                  <a:latin typeface="SimSun" panose="02010600030101010101" pitchFamily="2" charset="-122"/>
+                  <a:ea typeface="SimSun" panose="02010600030101010101" pitchFamily="2" charset="-122"/>
+                </a:rPr>
+                <a:t>,</a:t>
+              </a:r>
+              <a:r>
+                <a:rPr lang="zh-CN" altLang="en-US" b="1" dirty="0">
+                  <a:solidFill>
+                    <a:schemeClr val="tx1"/>
+                  </a:solidFill>
+                  <a:latin typeface="SimSun" panose="02010600030101010101" pitchFamily="2" charset="-122"/>
+                  <a:ea typeface="SimSun" panose="02010600030101010101" pitchFamily="2" charset="-122"/>
+                </a:rPr>
+                <a:t>将跳过本次地图进入下一个地图。</a:t>
+              </a:r>
+              <a:endParaRPr lang="en-US" altLang="zh-CN" b="1" dirty="0">
+                <a:solidFill>
+                  <a:schemeClr val="tx1"/>
+                </a:solidFill>
+                <a:latin typeface="SimSun" panose="02010600030101010101" pitchFamily="2" charset="-122"/>
+                <a:ea typeface="SimSun" panose="02010600030101010101" pitchFamily="2" charset="-122"/>
+              </a:endParaRPr>
+            </a:p>
+            <a:p>
+              <a:pPr lvl="2"/>
               <a:endParaRPr lang="en-US" altLang="zh-CN" b="1" dirty="0">
                 <a:solidFill>
                   <a:schemeClr val="tx1"/>
@@ -4425,6 +4506,66 @@
     <p:extLst>
       <p:ext uri="{BB962C8B-B14F-4D97-AF65-F5344CB8AC3E}">
         <p14:creationId xmlns:p14="http://schemas.microsoft.com/office/powerpoint/2010/main" val="3877074050"/>
+      </p:ext>
+    </p:extLst>
+  </p:cSld>
+  <p:clrMapOvr>
+    <a:masterClrMapping/>
+  </p:clrMapOvr>
+</p:sld>
+</file>
+
+<file path=ppt/slides/slide2.xml><?xml version="1.0" encoding="utf-8"?>
+<p:sld xmlns:a="http://schemas.openxmlformats.org/drawingml/2006/main" xmlns:r="http://schemas.openxmlformats.org/officeDocument/2006/relationships" xmlns:p="http://schemas.openxmlformats.org/presentationml/2006/main">
+  <p:cSld>
+    <p:spTree>
+      <p:nvGrpSpPr>
+        <p:cNvPr id="1" name=""/>
+        <p:cNvGrpSpPr/>
+        <p:nvPr/>
+      </p:nvGrpSpPr>
+      <p:grpSpPr>
+        <a:xfrm>
+          <a:off x="0" y="0"/>
+          <a:ext cx="0" cy="0"/>
+          <a:chOff x="0" y="0"/>
+          <a:chExt cx="0" cy="0"/>
+        </a:xfrm>
+      </p:grpSpPr>
+      <p:pic>
+        <p:nvPicPr>
+          <p:cNvPr id="4" name="Picture 3">
+            <a:extLst>
+              <a:ext uri="{FF2B5EF4-FFF2-40B4-BE49-F238E27FC236}">
+                <a16:creationId xmlns:a16="http://schemas.microsoft.com/office/drawing/2014/main" id="{D501498F-6A8A-7743-BD09-365FCF66D610}"/>
+              </a:ext>
+            </a:extLst>
+          </p:cNvPr>
+          <p:cNvPicPr>
+            <a:picLocks noChangeAspect="1"/>
+          </p:cNvPicPr>
+          <p:nvPr/>
+        </p:nvPicPr>
+        <p:blipFill>
+          <a:blip r:embed="rId2"/>
+          <a:stretch>
+            <a:fillRect/>
+          </a:stretch>
+        </p:blipFill>
+        <p:spPr>
+          <a:xfrm>
+            <a:off x="2448738" y="0"/>
+            <a:ext cx="7294523" cy="6858000"/>
+          </a:xfrm>
+          <a:prstGeom prst="rect">
+            <a:avLst/>
+          </a:prstGeom>
+        </p:spPr>
+      </p:pic>
+    </p:spTree>
+    <p:extLst>
+      <p:ext uri="{BB962C8B-B14F-4D97-AF65-F5344CB8AC3E}">
+        <p14:creationId xmlns:p14="http://schemas.microsoft.com/office/powerpoint/2010/main" val="2265936160"/>
       </p:ext>
     </p:extLst>
   </p:cSld>

--- a/introduction.pptx
+++ b/introduction.pptx
@@ -5,11 +5,12 @@
     <p:sldMasterId id="2147483648" r:id="rId1"/>
   </p:sldMasterIdLst>
   <p:notesMasterIdLst>
-    <p:notesMasterId r:id="rId4"/>
+    <p:notesMasterId r:id="rId5"/>
   </p:notesMasterIdLst>
   <p:sldIdLst>
     <p:sldId id="258" r:id="rId2"/>
     <p:sldId id="259" r:id="rId3"/>
+    <p:sldId id="260" r:id="rId4"/>
   </p:sldIdLst>
   <p:sldSz cx="12192000" cy="6858000"/>
   <p:notesSz cx="6858000" cy="9144000"/>
@@ -198,7 +199,7 @@
           <a:p>
             <a:fld id="{C0546B5F-B17E-4A11-A9CD-A10C644EC78D}" type="datetimeFigureOut">
               <a:rPr lang="zh-CN" altLang="en-US" smtClean="0"/>
-              <a:t>2020/12/13</a:t>
+              <a:t>2020/12/20</a:t>
             </a:fld>
             <a:endParaRPr lang="zh-CN" altLang="en-US"/>
           </a:p>
@@ -549,6 +550,90 @@
 </p:notes>
 </file>
 
+<file path=ppt/notesSlides/notesSlide2.xml><?xml version="1.0" encoding="utf-8"?>
+<p:notes xmlns:a="http://schemas.openxmlformats.org/drawingml/2006/main" xmlns:r="http://schemas.openxmlformats.org/officeDocument/2006/relationships" xmlns:p="http://schemas.openxmlformats.org/presentationml/2006/main">
+  <p:cSld>
+    <p:spTree>
+      <p:nvGrpSpPr>
+        <p:cNvPr id="1" name=""/>
+        <p:cNvGrpSpPr/>
+        <p:nvPr/>
+      </p:nvGrpSpPr>
+      <p:grpSpPr>
+        <a:xfrm>
+          <a:off x="0" y="0"/>
+          <a:ext cx="0" cy="0"/>
+          <a:chOff x="0" y="0"/>
+          <a:chExt cx="0" cy="0"/>
+        </a:xfrm>
+      </p:grpSpPr>
+      <p:sp>
+        <p:nvSpPr>
+          <p:cNvPr id="2" name="幻灯片图像占位符 1"/>
+          <p:cNvSpPr>
+            <a:spLocks noGrp="1" noRot="1" noChangeAspect="1"/>
+          </p:cNvSpPr>
+          <p:nvPr>
+            <p:ph type="sldImg"/>
+          </p:nvPr>
+        </p:nvSpPr>
+        <p:spPr/>
+      </p:sp>
+      <p:sp>
+        <p:nvSpPr>
+          <p:cNvPr id="3" name="备注占位符 2"/>
+          <p:cNvSpPr>
+            <a:spLocks noGrp="1"/>
+          </p:cNvSpPr>
+          <p:nvPr>
+            <p:ph type="body" idx="1"/>
+          </p:nvPr>
+        </p:nvSpPr>
+        <p:spPr/>
+        <p:txBody>
+          <a:bodyPr/>
+          <a:lstStyle/>
+          <a:p>
+            <a:endParaRPr lang="zh-CN" altLang="en-US" dirty="0"/>
+          </a:p>
+        </p:txBody>
+      </p:sp>
+      <p:sp>
+        <p:nvSpPr>
+          <p:cNvPr id="4" name="灯片编号占位符 3"/>
+          <p:cNvSpPr>
+            <a:spLocks noGrp="1"/>
+          </p:cNvSpPr>
+          <p:nvPr>
+            <p:ph type="sldNum" sz="quarter" idx="5"/>
+          </p:nvPr>
+        </p:nvSpPr>
+        <p:spPr/>
+        <p:txBody>
+          <a:bodyPr/>
+          <a:lstStyle/>
+          <a:p>
+            <a:fld id="{19214DBA-04C0-4AE0-9391-D985D3AC6701}" type="slidenum">
+              <a:rPr lang="zh-CN" altLang="en-US" smtClean="0"/>
+              <a:t>3</a:t>
+            </a:fld>
+            <a:endParaRPr lang="zh-CN" altLang="en-US"/>
+          </a:p>
+        </p:txBody>
+      </p:sp>
+    </p:spTree>
+    <p:extLst>
+      <p:ext uri="{BB962C8B-B14F-4D97-AF65-F5344CB8AC3E}">
+        <p14:creationId xmlns:p14="http://schemas.microsoft.com/office/powerpoint/2010/main" val="740510625"/>
+      </p:ext>
+    </p:extLst>
+  </p:cSld>
+  <p:clrMapOvr>
+    <a:masterClrMapping/>
+  </p:clrMapOvr>
+</p:notes>
+</file>
+
 <file path=ppt/slideLayouts/slideLayout1.xml><?xml version="1.0" encoding="utf-8"?>
 <p:sldLayout xmlns:a="http://schemas.openxmlformats.org/drawingml/2006/main" xmlns:r="http://schemas.openxmlformats.org/officeDocument/2006/relationships" xmlns:p="http://schemas.openxmlformats.org/presentationml/2006/main" type="title" preserve="1">
   <p:cSld name="标题幻灯片">
@@ -696,7 +781,7 @@
           <a:p>
             <a:fld id="{22C6D5CB-9E91-4D8B-8A6F-E7E64CE5E759}" type="datetimeFigureOut">
               <a:rPr lang="zh-CN" altLang="en-US" smtClean="0"/>
-              <a:t>2020/12/13</a:t>
+              <a:t>2020/12/20</a:t>
             </a:fld>
             <a:endParaRPr lang="zh-CN" altLang="en-US"/>
           </a:p>
@@ -894,7 +979,7 @@
           <a:p>
             <a:fld id="{22C6D5CB-9E91-4D8B-8A6F-E7E64CE5E759}" type="datetimeFigureOut">
               <a:rPr lang="zh-CN" altLang="en-US" smtClean="0"/>
-              <a:t>2020/12/13</a:t>
+              <a:t>2020/12/20</a:t>
             </a:fld>
             <a:endParaRPr lang="zh-CN" altLang="en-US"/>
           </a:p>
@@ -1102,7 +1187,7 @@
           <a:p>
             <a:fld id="{22C6D5CB-9E91-4D8B-8A6F-E7E64CE5E759}" type="datetimeFigureOut">
               <a:rPr lang="zh-CN" altLang="en-US" smtClean="0"/>
-              <a:t>2020/12/13</a:t>
+              <a:t>2020/12/20</a:t>
             </a:fld>
             <a:endParaRPr lang="zh-CN" altLang="en-US"/>
           </a:p>
@@ -1300,7 +1385,7 @@
           <a:p>
             <a:fld id="{22C6D5CB-9E91-4D8B-8A6F-E7E64CE5E759}" type="datetimeFigureOut">
               <a:rPr lang="zh-CN" altLang="en-US" smtClean="0"/>
-              <a:t>2020/12/13</a:t>
+              <a:t>2020/12/20</a:t>
             </a:fld>
             <a:endParaRPr lang="zh-CN" altLang="en-US"/>
           </a:p>
@@ -1575,7 +1660,7 @@
           <a:p>
             <a:fld id="{22C6D5CB-9E91-4D8B-8A6F-E7E64CE5E759}" type="datetimeFigureOut">
               <a:rPr lang="zh-CN" altLang="en-US" smtClean="0"/>
-              <a:t>2020/12/13</a:t>
+              <a:t>2020/12/20</a:t>
             </a:fld>
             <a:endParaRPr lang="zh-CN" altLang="en-US"/>
           </a:p>
@@ -1840,7 +1925,7 @@
           <a:p>
             <a:fld id="{22C6D5CB-9E91-4D8B-8A6F-E7E64CE5E759}" type="datetimeFigureOut">
               <a:rPr lang="zh-CN" altLang="en-US" smtClean="0"/>
-              <a:t>2020/12/13</a:t>
+              <a:t>2020/12/20</a:t>
             </a:fld>
             <a:endParaRPr lang="zh-CN" altLang="en-US"/>
           </a:p>
@@ -2252,7 +2337,7 @@
           <a:p>
             <a:fld id="{22C6D5CB-9E91-4D8B-8A6F-E7E64CE5E759}" type="datetimeFigureOut">
               <a:rPr lang="zh-CN" altLang="en-US" smtClean="0"/>
-              <a:t>2020/12/13</a:t>
+              <a:t>2020/12/20</a:t>
             </a:fld>
             <a:endParaRPr lang="zh-CN" altLang="en-US"/>
           </a:p>
@@ -2393,7 +2478,7 @@
           <a:p>
             <a:fld id="{22C6D5CB-9E91-4D8B-8A6F-E7E64CE5E759}" type="datetimeFigureOut">
               <a:rPr lang="zh-CN" altLang="en-US" smtClean="0"/>
-              <a:t>2020/12/13</a:t>
+              <a:t>2020/12/20</a:t>
             </a:fld>
             <a:endParaRPr lang="zh-CN" altLang="en-US"/>
           </a:p>
@@ -2506,7 +2591,7 @@
           <a:p>
             <a:fld id="{22C6D5CB-9E91-4D8B-8A6F-E7E64CE5E759}" type="datetimeFigureOut">
               <a:rPr lang="zh-CN" altLang="en-US" smtClean="0"/>
-              <a:t>2020/12/13</a:t>
+              <a:t>2020/12/20</a:t>
             </a:fld>
             <a:endParaRPr lang="zh-CN" altLang="en-US"/>
           </a:p>
@@ -2817,7 +2902,7 @@
           <a:p>
             <a:fld id="{22C6D5CB-9E91-4D8B-8A6F-E7E64CE5E759}" type="datetimeFigureOut">
               <a:rPr lang="zh-CN" altLang="en-US" smtClean="0"/>
-              <a:t>2020/12/13</a:t>
+              <a:t>2020/12/20</a:t>
             </a:fld>
             <a:endParaRPr lang="zh-CN" altLang="en-US"/>
           </a:p>
@@ -3105,7 +3190,7 @@
           <a:p>
             <a:fld id="{22C6D5CB-9E91-4D8B-8A6F-E7E64CE5E759}" type="datetimeFigureOut">
               <a:rPr lang="zh-CN" altLang="en-US" smtClean="0"/>
-              <a:t>2020/12/13</a:t>
+              <a:t>2020/12/20</a:t>
             </a:fld>
             <a:endParaRPr lang="zh-CN" altLang="en-US"/>
           </a:p>
@@ -3346,7 +3431,7 @@
           <a:p>
             <a:fld id="{22C6D5CB-9E91-4D8B-8A6F-E7E64CE5E759}" type="datetimeFigureOut">
               <a:rPr lang="zh-CN" altLang="en-US" smtClean="0"/>
-              <a:t>2020/12/13</a:t>
+              <a:t>2020/12/20</a:t>
             </a:fld>
             <a:endParaRPr lang="zh-CN" altLang="en-US"/>
           </a:p>
@@ -4575,6 +4660,675 @@
 </p:sld>
 </file>
 
+<file path=ppt/slides/slide3.xml><?xml version="1.0" encoding="utf-8"?>
+<p:sld xmlns:a="http://schemas.openxmlformats.org/drawingml/2006/main" xmlns:r="http://schemas.openxmlformats.org/officeDocument/2006/relationships" xmlns:p="http://schemas.openxmlformats.org/presentationml/2006/main">
+  <p:cSld>
+    <p:spTree>
+      <p:nvGrpSpPr>
+        <p:cNvPr id="1" name=""/>
+        <p:cNvGrpSpPr/>
+        <p:nvPr/>
+      </p:nvGrpSpPr>
+      <p:grpSpPr>
+        <a:xfrm>
+          <a:off x="0" y="0"/>
+          <a:ext cx="0" cy="0"/>
+          <a:chOff x="0" y="0"/>
+          <a:chExt cx="0" cy="0"/>
+        </a:xfrm>
+      </p:grpSpPr>
+      <p:grpSp>
+        <p:nvGrpSpPr>
+          <p:cNvPr id="19" name="组合 18">
+            <a:extLst>
+              <a:ext uri="{FF2B5EF4-FFF2-40B4-BE49-F238E27FC236}">
+                <a16:creationId xmlns:a16="http://schemas.microsoft.com/office/drawing/2014/main" id="{DE9C536E-1274-45A4-8808-A31579281473}"/>
+              </a:ext>
+            </a:extLst>
+          </p:cNvPr>
+          <p:cNvGrpSpPr/>
+          <p:nvPr/>
+        </p:nvGrpSpPr>
+        <p:grpSpPr>
+          <a:xfrm>
+            <a:off x="2072004" y="321952"/>
+            <a:ext cx="6609659" cy="6214096"/>
+            <a:chOff x="1650607" y="-450168"/>
+            <a:chExt cx="6339843" cy="5909239"/>
+          </a:xfrm>
+        </p:grpSpPr>
+        <p:sp>
+          <p:nvSpPr>
+            <p:cNvPr id="17" name="矩形 16">
+              <a:extLst>
+                <a:ext uri="{FF2B5EF4-FFF2-40B4-BE49-F238E27FC236}">
+                  <a16:creationId xmlns:a16="http://schemas.microsoft.com/office/drawing/2014/main" id="{08C262F2-BA1A-47F0-99F5-5E2AB168A192}"/>
+                </a:ext>
+              </a:extLst>
+            </p:cNvPr>
+            <p:cNvSpPr/>
+            <p:nvPr/>
+          </p:nvSpPr>
+          <p:spPr>
+            <a:xfrm>
+              <a:off x="1650608" y="-450167"/>
+              <a:ext cx="6339842" cy="5909238"/>
+            </a:xfrm>
+            <a:prstGeom prst="rect">
+              <a:avLst/>
+            </a:prstGeom>
+            <a:solidFill>
+              <a:srgbClr val="B0D2A0"/>
+            </a:solidFill>
+            <a:ln>
+              <a:solidFill>
+                <a:srgbClr val="B0D2A0"/>
+              </a:solidFill>
+            </a:ln>
+          </p:spPr>
+          <p:style>
+            <a:lnRef idx="2">
+              <a:schemeClr val="accent1">
+                <a:shade val="50000"/>
+              </a:schemeClr>
+            </a:lnRef>
+            <a:fillRef idx="1">
+              <a:schemeClr val="accent1"/>
+            </a:fillRef>
+            <a:effectRef idx="0">
+              <a:schemeClr val="accent1"/>
+            </a:effectRef>
+            <a:fontRef idx="minor">
+              <a:schemeClr val="lt1"/>
+            </a:fontRef>
+          </p:style>
+          <p:txBody>
+            <a:bodyPr rtlCol="0" anchor="ctr"/>
+            <a:lstStyle/>
+            <a:p>
+              <a:endParaRPr lang="en-US" altLang="zh-CN" sz="2000" dirty="0">
+                <a:solidFill>
+                  <a:schemeClr val="tx1"/>
+                </a:solidFill>
+                <a:latin typeface="楷体" panose="02010609060101010101" pitchFamily="49" charset="-122"/>
+                <a:ea typeface="楷体" panose="02010609060101010101" pitchFamily="49" charset="-122"/>
+              </a:endParaRPr>
+            </a:p>
+          </p:txBody>
+        </p:sp>
+        <p:sp>
+          <p:nvSpPr>
+            <p:cNvPr id="13" name="矩形 12">
+              <a:extLst>
+                <a:ext uri="{FF2B5EF4-FFF2-40B4-BE49-F238E27FC236}">
+                  <a16:creationId xmlns:a16="http://schemas.microsoft.com/office/drawing/2014/main" id="{661FDE28-B2B1-4D8A-9601-4CF5B6661D38}"/>
+                </a:ext>
+              </a:extLst>
+            </p:cNvPr>
+            <p:cNvSpPr/>
+            <p:nvPr/>
+          </p:nvSpPr>
+          <p:spPr>
+            <a:xfrm>
+              <a:off x="1650607" y="-450168"/>
+              <a:ext cx="4004604" cy="2878060"/>
+            </a:xfrm>
+            <a:prstGeom prst="rect">
+              <a:avLst/>
+            </a:prstGeom>
+            <a:solidFill>
+              <a:srgbClr val="B0D2A0"/>
+            </a:solidFill>
+            <a:ln>
+              <a:solidFill>
+                <a:srgbClr val="B0D2A0"/>
+              </a:solidFill>
+            </a:ln>
+          </p:spPr>
+          <p:style>
+            <a:lnRef idx="2">
+              <a:schemeClr val="accent1">
+                <a:shade val="50000"/>
+              </a:schemeClr>
+            </a:lnRef>
+            <a:fillRef idx="1">
+              <a:schemeClr val="accent1"/>
+            </a:fillRef>
+            <a:effectRef idx="0">
+              <a:schemeClr val="accent1"/>
+            </a:effectRef>
+            <a:fontRef idx="minor">
+              <a:schemeClr val="lt1"/>
+            </a:fontRef>
+          </p:style>
+          <p:txBody>
+            <a:bodyPr rtlCol="0" anchor="ctr"/>
+            <a:lstStyle/>
+            <a:p>
+              <a:pPr lvl="1"/>
+              <a:endParaRPr lang="en-US" altLang="zh-CN" dirty="0">
+                <a:solidFill>
+                  <a:schemeClr val="tx1"/>
+                </a:solidFill>
+                <a:latin typeface="SimSun" panose="02010600030101010101" pitchFamily="2" charset="-122"/>
+                <a:ea typeface="SimSun" panose="02010600030101010101" pitchFamily="2" charset="-122"/>
+              </a:endParaRPr>
+            </a:p>
+            <a:p>
+              <a:pPr lvl="2"/>
+              <a:endParaRPr lang="en-US" altLang="zh-CN" dirty="0">
+                <a:solidFill>
+                  <a:schemeClr val="tx1"/>
+                </a:solidFill>
+                <a:latin typeface="SimSun" panose="02010600030101010101" pitchFamily="2" charset="-122"/>
+                <a:ea typeface="SimSun" panose="02010600030101010101" pitchFamily="2" charset="-122"/>
+              </a:endParaRPr>
+            </a:p>
+            <a:p>
+              <a:pPr lvl="2"/>
+              <a:endParaRPr lang="en-US" altLang="zh-CN" dirty="0">
+                <a:solidFill>
+                  <a:schemeClr val="tx1"/>
+                </a:solidFill>
+                <a:latin typeface="SimSun" panose="02010600030101010101" pitchFamily="2" charset="-122"/>
+                <a:ea typeface="SimSun" panose="02010600030101010101" pitchFamily="2" charset="-122"/>
+              </a:endParaRPr>
+            </a:p>
+            <a:p>
+              <a:pPr lvl="2"/>
+              <a:endParaRPr lang="en-US" altLang="zh-CN" dirty="0">
+                <a:solidFill>
+                  <a:schemeClr val="tx1"/>
+                </a:solidFill>
+                <a:latin typeface="SimSun" panose="02010600030101010101" pitchFamily="2" charset="-122"/>
+                <a:ea typeface="SimSun" panose="02010600030101010101" pitchFamily="2" charset="-122"/>
+              </a:endParaRPr>
+            </a:p>
+            <a:p>
+              <a:pPr lvl="2"/>
+              <a:r>
+                <a:rPr lang="zh-CN" altLang="en-US" b="1" dirty="0">
+                  <a:solidFill>
+                    <a:schemeClr val="tx1"/>
+                  </a:solidFill>
+                  <a:latin typeface="SimSun" panose="02010600030101010101" pitchFamily="2" charset="-122"/>
+                  <a:ea typeface="SimSun" panose="02010600030101010101" pitchFamily="2" charset="-122"/>
+                </a:rPr>
+                <a:t>您好，欢迎参加实验。</a:t>
+              </a:r>
+              <a:endParaRPr lang="en-US" altLang="zh-CN" b="1" dirty="0">
+                <a:solidFill>
+                  <a:schemeClr val="tx1"/>
+                </a:solidFill>
+                <a:latin typeface="SimSun" panose="02010600030101010101" pitchFamily="2" charset="-122"/>
+                <a:ea typeface="SimSun" panose="02010600030101010101" pitchFamily="2" charset="-122"/>
+              </a:endParaRPr>
+            </a:p>
+            <a:p>
+              <a:pPr lvl="2"/>
+              <a:endParaRPr lang="en-US" altLang="zh-CN" b="1" dirty="0">
+                <a:solidFill>
+                  <a:schemeClr val="tx1"/>
+                </a:solidFill>
+                <a:latin typeface="SimSun" panose="02010600030101010101" pitchFamily="2" charset="-122"/>
+                <a:ea typeface="SimSun" panose="02010600030101010101" pitchFamily="2" charset="-122"/>
+              </a:endParaRPr>
+            </a:p>
+            <a:p>
+              <a:pPr lvl="2"/>
+              <a:r>
+                <a:rPr lang="zh-CN" altLang="en-US" b="1" dirty="0">
+                  <a:solidFill>
+                    <a:schemeClr val="tx1"/>
+                  </a:solidFill>
+                  <a:latin typeface="SimSun" panose="02010600030101010101" pitchFamily="2" charset="-122"/>
+                  <a:ea typeface="SimSun" panose="02010600030101010101" pitchFamily="2" charset="-122"/>
+                </a:rPr>
+                <a:t>您是一位饥肠辘辘的旅人（</a:t>
+              </a:r>
+              <a:r>
+                <a:rPr lang="zh-CN" altLang="en-US" b="1" dirty="0">
+                  <a:solidFill>
+                    <a:schemeClr val="accent1">
+                      <a:lumMod val="75000"/>
+                    </a:schemeClr>
+                  </a:solidFill>
+                  <a:latin typeface="SimSun" panose="02010600030101010101" pitchFamily="2" charset="-122"/>
+                  <a:ea typeface="SimSun" panose="02010600030101010101" pitchFamily="2" charset="-122"/>
+                </a:rPr>
+                <a:t>蓝色小球</a:t>
+              </a:r>
+              <a:r>
+                <a:rPr lang="zh-CN" altLang="en-US" b="1" dirty="0">
+                  <a:solidFill>
+                    <a:schemeClr val="tx1"/>
+                  </a:solidFill>
+                  <a:latin typeface="SimSun" panose="02010600030101010101" pitchFamily="2" charset="-122"/>
+                  <a:ea typeface="SimSun" panose="02010600030101010101" pitchFamily="2" charset="-122"/>
+                </a:rPr>
+                <a:t>）需要到达餐馆补充食物。地图上有</a:t>
+              </a:r>
+              <a:r>
+                <a:rPr lang="zh-CN" altLang="en-US" b="1" i="1" u="sng" dirty="0">
+                  <a:solidFill>
+                    <a:schemeClr val="tx1"/>
+                  </a:solidFill>
+                  <a:latin typeface="SimSun" panose="02010600030101010101" pitchFamily="2" charset="-122"/>
+                  <a:ea typeface="SimSun" panose="02010600030101010101" pitchFamily="2" charset="-122"/>
+                </a:rPr>
+                <a:t>两个餐馆</a:t>
+              </a:r>
+              <a:r>
+                <a:rPr lang="zh-CN" altLang="en-US" b="1" dirty="0">
+                  <a:solidFill>
+                    <a:schemeClr val="tx1"/>
+                  </a:solidFill>
+                  <a:latin typeface="SimSun" panose="02010600030101010101" pitchFamily="2" charset="-122"/>
+                  <a:ea typeface="SimSun" panose="02010600030101010101" pitchFamily="2" charset="-122"/>
+                </a:rPr>
+                <a:t>（</a:t>
+              </a:r>
+              <a:r>
+                <a:rPr lang="zh-CN" altLang="en-US" b="1" dirty="0">
+                  <a:solidFill>
+                    <a:srgbClr val="FF0000"/>
+                  </a:solidFill>
+                  <a:latin typeface="SimSun" panose="02010600030101010101" pitchFamily="2" charset="-122"/>
+                  <a:ea typeface="SimSun" panose="02010600030101010101" pitchFamily="2" charset="-122"/>
+                </a:rPr>
+                <a:t>红色方块</a:t>
+              </a:r>
+              <a:r>
+                <a:rPr lang="zh-CN" altLang="en-US" b="1" dirty="0">
+                  <a:solidFill>
+                    <a:schemeClr val="accent1">
+                      <a:lumMod val="75000"/>
+                    </a:schemeClr>
+                  </a:solidFill>
+                  <a:latin typeface="SimSun" panose="02010600030101010101" pitchFamily="2" charset="-122"/>
+                  <a:ea typeface="SimSun" panose="02010600030101010101" pitchFamily="2" charset="-122"/>
+                </a:rPr>
+                <a:t>）</a:t>
+              </a:r>
+              <a:r>
+                <a:rPr lang="zh-CN" altLang="en-US" b="1" dirty="0">
+                  <a:solidFill>
+                    <a:schemeClr val="tx1"/>
+                  </a:solidFill>
+                  <a:latin typeface="SimSun" panose="02010600030101010101" pitchFamily="2" charset="-122"/>
+                  <a:ea typeface="SimSun" panose="02010600030101010101" pitchFamily="2" charset="-122"/>
+                </a:rPr>
+                <a:t>。您的任务是操纵方向键（上、下、左、右），使自己以</a:t>
+              </a:r>
+              <a:r>
+                <a:rPr lang="zh-CN" altLang="en-US" b="1" u="sng" dirty="0">
+                  <a:solidFill>
+                    <a:schemeClr val="tx1"/>
+                  </a:solidFill>
+                  <a:latin typeface="SimSun" panose="02010600030101010101" pitchFamily="2" charset="-122"/>
+                  <a:ea typeface="SimSun" panose="02010600030101010101" pitchFamily="2" charset="-122"/>
+                </a:rPr>
+                <a:t>最少步数</a:t>
+              </a:r>
+              <a:r>
+                <a:rPr lang="zh-CN" altLang="en-US" b="1" dirty="0">
+                  <a:solidFill>
+                    <a:schemeClr val="tx1"/>
+                  </a:solidFill>
+                  <a:latin typeface="SimSun" panose="02010600030101010101" pitchFamily="2" charset="-122"/>
+                  <a:ea typeface="SimSun" panose="02010600030101010101" pitchFamily="2" charset="-122"/>
+                </a:rPr>
+                <a:t>到达最近的一个餐馆就餐。</a:t>
+              </a:r>
+              <a:endParaRPr lang="en-US" altLang="zh-CN" b="1" dirty="0">
+                <a:solidFill>
+                  <a:schemeClr val="tx1"/>
+                </a:solidFill>
+                <a:latin typeface="SimSun" panose="02010600030101010101" pitchFamily="2" charset="-122"/>
+                <a:ea typeface="SimSun" panose="02010600030101010101" pitchFamily="2" charset="-122"/>
+              </a:endParaRPr>
+            </a:p>
+            <a:p>
+              <a:pPr lvl="2"/>
+              <a:endParaRPr lang="en-US" altLang="zh-CN" b="1" dirty="0">
+                <a:solidFill>
+                  <a:schemeClr val="tx1"/>
+                </a:solidFill>
+                <a:latin typeface="SimSun" panose="02010600030101010101" pitchFamily="2" charset="-122"/>
+                <a:ea typeface="SimSun" panose="02010600030101010101" pitchFamily="2" charset="-122"/>
+              </a:endParaRPr>
+            </a:p>
+            <a:p>
+              <a:endParaRPr lang="en-US" altLang="zh-CN" sz="2000" dirty="0">
+                <a:solidFill>
+                  <a:schemeClr val="tx1"/>
+                </a:solidFill>
+                <a:latin typeface="SimSun" panose="02010600030101010101" pitchFamily="2" charset="-122"/>
+                <a:ea typeface="SimSun" panose="02010600030101010101" pitchFamily="2" charset="-122"/>
+              </a:endParaRPr>
+            </a:p>
+          </p:txBody>
+        </p:sp>
+        <p:pic>
+          <p:nvPicPr>
+            <p:cNvPr id="16" name="图片 15">
+              <a:extLst>
+                <a:ext uri="{FF2B5EF4-FFF2-40B4-BE49-F238E27FC236}">
+                  <a16:creationId xmlns:a16="http://schemas.microsoft.com/office/drawing/2014/main" id="{F2BF0366-54B3-45F6-B0A0-6A06C098C7A2}"/>
+                </a:ext>
+              </a:extLst>
+            </p:cNvPr>
+            <p:cNvPicPr>
+              <a:picLocks noChangeAspect="1"/>
+            </p:cNvPicPr>
+            <p:nvPr/>
+          </p:nvPicPr>
+          <p:blipFill>
+            <a:blip r:embed="rId3">
+              <a:extLst>
+                <a:ext uri="{28A0092B-C50C-407E-A947-70E740481C1C}">
+                  <a14:useLocalDpi xmlns:a14="http://schemas.microsoft.com/office/drawing/2010/main" val="0"/>
+                </a:ext>
+              </a:extLst>
+            </a:blip>
+            <a:stretch>
+              <a:fillRect/>
+            </a:stretch>
+          </p:blipFill>
+          <p:spPr>
+            <a:xfrm>
+              <a:off x="5809725" y="606717"/>
+              <a:ext cx="1336661" cy="1339078"/>
+            </a:xfrm>
+            <a:prstGeom prst="rect">
+              <a:avLst/>
+            </a:prstGeom>
+          </p:spPr>
+        </p:pic>
+        <p:sp>
+          <p:nvSpPr>
+            <p:cNvPr id="18" name="矩形 17">
+              <a:extLst>
+                <a:ext uri="{FF2B5EF4-FFF2-40B4-BE49-F238E27FC236}">
+                  <a16:creationId xmlns:a16="http://schemas.microsoft.com/office/drawing/2014/main" id="{ED0792B3-BAC8-4A39-9458-C54FD0DA2153}"/>
+                </a:ext>
+              </a:extLst>
+            </p:cNvPr>
+            <p:cNvSpPr/>
+            <p:nvPr/>
+          </p:nvSpPr>
+          <p:spPr>
+            <a:xfrm>
+              <a:off x="1668866" y="3180741"/>
+              <a:ext cx="5495779" cy="2007578"/>
+            </a:xfrm>
+            <a:prstGeom prst="rect">
+              <a:avLst/>
+            </a:prstGeom>
+            <a:solidFill>
+              <a:srgbClr val="B0D2A0"/>
+            </a:solidFill>
+            <a:ln>
+              <a:solidFill>
+                <a:srgbClr val="B0D2A0"/>
+              </a:solidFill>
+            </a:ln>
+          </p:spPr>
+          <p:style>
+            <a:lnRef idx="2">
+              <a:schemeClr val="accent1">
+                <a:shade val="50000"/>
+              </a:schemeClr>
+            </a:lnRef>
+            <a:fillRef idx="1">
+              <a:schemeClr val="accent1"/>
+            </a:fillRef>
+            <a:effectRef idx="0">
+              <a:schemeClr val="accent1"/>
+            </a:effectRef>
+            <a:fontRef idx="minor">
+              <a:schemeClr val="lt1"/>
+            </a:fontRef>
+          </p:style>
+          <p:txBody>
+            <a:bodyPr rtlCol="0" anchor="ctr"/>
+            <a:lstStyle/>
+            <a:p>
+              <a:pPr lvl="2"/>
+              <a:endParaRPr lang="en-US" altLang="zh-CN" b="1" dirty="0">
+                <a:solidFill>
+                  <a:schemeClr val="tx1"/>
+                </a:solidFill>
+                <a:latin typeface="SimSun" panose="02010600030101010101" pitchFamily="2" charset="-122"/>
+                <a:ea typeface="SimSun" panose="02010600030101010101" pitchFamily="2" charset="-122"/>
+              </a:endParaRPr>
+            </a:p>
+            <a:p>
+              <a:pPr lvl="2"/>
+              <a:r>
+                <a:rPr lang="zh-CN" altLang="en-US" b="1" dirty="0">
+                  <a:solidFill>
+                    <a:schemeClr val="tx1"/>
+                  </a:solidFill>
+                  <a:latin typeface="SimSun" panose="02010600030101010101" pitchFamily="2" charset="-122"/>
+                  <a:ea typeface="SimSun" panose="02010600030101010101" pitchFamily="2" charset="-122"/>
+                </a:rPr>
+                <a:t>注意：</a:t>
+              </a:r>
+              <a:endParaRPr lang="en-US" altLang="zh-CN" b="1" dirty="0">
+                <a:solidFill>
+                  <a:schemeClr val="tx1"/>
+                </a:solidFill>
+                <a:latin typeface="SimSun" panose="02010600030101010101" pitchFamily="2" charset="-122"/>
+                <a:ea typeface="SimSun" panose="02010600030101010101" pitchFamily="2" charset="-122"/>
+              </a:endParaRPr>
+            </a:p>
+            <a:p>
+              <a:pPr lvl="2"/>
+              <a:r>
+                <a:rPr lang="en-US" altLang="zh-CN" b="1" dirty="0">
+                  <a:solidFill>
+                    <a:schemeClr val="tx1"/>
+                  </a:solidFill>
+                  <a:latin typeface="SimSun" panose="02010600030101010101" pitchFamily="2" charset="-122"/>
+                  <a:ea typeface="SimSun" panose="02010600030101010101" pitchFamily="2" charset="-122"/>
+                </a:rPr>
+                <a:t>1.</a:t>
+              </a:r>
+              <a:r>
+                <a:rPr lang="zh-CN" altLang="en-US" b="1" dirty="0">
+                  <a:solidFill>
+                    <a:schemeClr val="tx1"/>
+                  </a:solidFill>
+                  <a:latin typeface="SimSun" panose="02010600030101010101" pitchFamily="2" charset="-122"/>
+                  <a:ea typeface="SimSun" panose="02010600030101010101" pitchFamily="2" charset="-122"/>
+                </a:rPr>
+                <a:t> 地图上黑色方块为无法穿越的障碍物。</a:t>
+              </a:r>
+              <a:endParaRPr lang="en-US" altLang="zh-CN" b="1" dirty="0">
+                <a:solidFill>
+                  <a:schemeClr val="tx1"/>
+                </a:solidFill>
+                <a:latin typeface="SimSun" panose="02010600030101010101" pitchFamily="2" charset="-122"/>
+                <a:ea typeface="SimSun" panose="02010600030101010101" pitchFamily="2" charset="-122"/>
+              </a:endParaRPr>
+            </a:p>
+            <a:p>
+              <a:pPr lvl="2"/>
+              <a:r>
+                <a:rPr lang="en-US" altLang="zh-CN" b="1" dirty="0">
+                  <a:solidFill>
+                    <a:schemeClr val="tx1"/>
+                  </a:solidFill>
+                  <a:latin typeface="SimSun" panose="02010600030101010101" pitchFamily="2" charset="-122"/>
+                  <a:ea typeface="SimSun" panose="02010600030101010101" pitchFamily="2" charset="-122"/>
+                </a:rPr>
+                <a:t>2.</a:t>
+              </a:r>
+              <a:r>
+                <a:rPr lang="zh-CN" altLang="en-US" b="1" dirty="0">
+                  <a:solidFill>
+                    <a:schemeClr val="tx1"/>
+                  </a:solidFill>
+                  <a:latin typeface="SimSun" panose="02010600030101010101" pitchFamily="2" charset="-122"/>
+                  <a:ea typeface="SimSun" panose="02010600030101010101" pitchFamily="2" charset="-122"/>
+                </a:rPr>
+                <a:t> 在行进过程中，按键行为有</a:t>
+              </a:r>
+              <a:r>
+                <a:rPr lang="en-US" altLang="zh-CN" b="1" dirty="0">
+                  <a:solidFill>
+                    <a:schemeClr val="tx1"/>
+                  </a:solidFill>
+                  <a:latin typeface="SimSun" panose="02010600030101010101" pitchFamily="2" charset="-122"/>
+                  <a:ea typeface="SimSun" panose="02010600030101010101" pitchFamily="2" charset="-122"/>
+                </a:rPr>
+                <a:t>15%</a:t>
+              </a:r>
+              <a:r>
+                <a:rPr lang="zh-CN" altLang="en-US" b="1" dirty="0">
+                  <a:solidFill>
+                    <a:schemeClr val="tx1"/>
+                  </a:solidFill>
+                  <a:latin typeface="SimSun" panose="02010600030101010101" pitchFamily="2" charset="-122"/>
+                  <a:ea typeface="SimSun" panose="02010600030101010101" pitchFamily="2" charset="-122"/>
+                </a:rPr>
+                <a:t>的失灵概率，这使得您的运动随机偏离到周围的</a:t>
+              </a:r>
+              <a:r>
+                <a:rPr lang="en-US" altLang="zh-CN" b="1" dirty="0">
+                  <a:solidFill>
+                    <a:schemeClr val="tx1"/>
+                  </a:solidFill>
+                  <a:latin typeface="SimSun" panose="02010600030101010101" pitchFamily="2" charset="-122"/>
+                  <a:ea typeface="SimSun" panose="02010600030101010101" pitchFamily="2" charset="-122"/>
+                </a:rPr>
+                <a:t>7</a:t>
+              </a:r>
+              <a:r>
+                <a:rPr lang="zh-CN" altLang="en-US" b="1" dirty="0">
+                  <a:solidFill>
+                    <a:schemeClr val="tx1"/>
+                  </a:solidFill>
+                  <a:latin typeface="SimSun" panose="02010600030101010101" pitchFamily="2" charset="-122"/>
+                  <a:ea typeface="SimSun" panose="02010600030101010101" pitchFamily="2" charset="-122"/>
+                </a:rPr>
+                <a:t>个格子。</a:t>
+              </a:r>
+              <a:endParaRPr lang="en-US" altLang="zh-CN" b="1" dirty="0">
+                <a:solidFill>
+                  <a:schemeClr val="tx1"/>
+                </a:solidFill>
+                <a:latin typeface="SimSun" panose="02010600030101010101" pitchFamily="2" charset="-122"/>
+                <a:ea typeface="SimSun" panose="02010600030101010101" pitchFamily="2" charset="-122"/>
+              </a:endParaRPr>
+            </a:p>
+            <a:p>
+              <a:pPr lvl="2"/>
+              <a:r>
+                <a:rPr lang="en-US" altLang="zh-CN" b="1" dirty="0">
+                  <a:solidFill>
+                    <a:schemeClr val="tx1"/>
+                  </a:solidFill>
+                  <a:latin typeface="SimSun" panose="02010600030101010101" pitchFamily="2" charset="-122"/>
+                  <a:ea typeface="SimSun" panose="02010600030101010101" pitchFamily="2" charset="-122"/>
+                </a:rPr>
+                <a:t>3.</a:t>
+              </a:r>
+              <a:r>
+                <a:rPr lang="zh-CN" altLang="en-US" b="1" dirty="0">
+                  <a:solidFill>
+                    <a:schemeClr val="tx1"/>
+                  </a:solidFill>
+                  <a:latin typeface="SimSun" panose="02010600030101010101" pitchFamily="2" charset="-122"/>
+                  <a:ea typeface="SimSun" panose="02010600030101010101" pitchFamily="2" charset="-122"/>
+                </a:rPr>
+                <a:t> 每个地图中仅能到达一个餐馆就餐，到达后将进入下一个地图。</a:t>
+              </a:r>
+              <a:endParaRPr lang="en-US" altLang="zh-CN" b="1" dirty="0">
+                <a:solidFill>
+                  <a:schemeClr val="tx1"/>
+                </a:solidFill>
+                <a:latin typeface="SimSun" panose="02010600030101010101" pitchFamily="2" charset="-122"/>
+                <a:ea typeface="SimSun" panose="02010600030101010101" pitchFamily="2" charset="-122"/>
+              </a:endParaRPr>
+            </a:p>
+            <a:p>
+              <a:pPr lvl="2"/>
+              <a:endParaRPr lang="en-US" altLang="zh-CN" b="1" dirty="0">
+                <a:solidFill>
+                  <a:schemeClr val="tx1"/>
+                </a:solidFill>
+                <a:latin typeface="SimSun" panose="02010600030101010101" pitchFamily="2" charset="-122"/>
+                <a:ea typeface="SimSun" panose="02010600030101010101" pitchFamily="2" charset="-122"/>
+              </a:endParaRPr>
+            </a:p>
+            <a:p>
+              <a:pPr lvl="2"/>
+              <a:r>
+                <a:rPr lang="zh-CN" altLang="en-US" b="1" dirty="0">
+                  <a:solidFill>
+                    <a:schemeClr val="tx1"/>
+                  </a:solidFill>
+                  <a:latin typeface="SimSun" panose="02010600030101010101" pitchFamily="2" charset="-122"/>
+                  <a:ea typeface="SimSun" panose="02010600030101010101" pitchFamily="2" charset="-122"/>
+                </a:rPr>
+                <a:t>明确自己的任务后，请按空格键开始实验吧</a:t>
+              </a:r>
+              <a:endParaRPr lang="en-US" altLang="zh-CN" b="1" dirty="0">
+                <a:solidFill>
+                  <a:schemeClr val="tx1"/>
+                </a:solidFill>
+                <a:latin typeface="SimSun" panose="02010600030101010101" pitchFamily="2" charset="-122"/>
+                <a:ea typeface="SimSun" panose="02010600030101010101" pitchFamily="2" charset="-122"/>
+              </a:endParaRPr>
+            </a:p>
+            <a:p>
+              <a:pPr lvl="2"/>
+              <a:endParaRPr lang="en-US" altLang="zh-CN" dirty="0">
+                <a:solidFill>
+                  <a:schemeClr val="tx1"/>
+                </a:solidFill>
+                <a:latin typeface="SimSun" panose="02010600030101010101" pitchFamily="2" charset="-122"/>
+                <a:ea typeface="SimSun" panose="02010600030101010101" pitchFamily="2" charset="-122"/>
+              </a:endParaRPr>
+            </a:p>
+            <a:p>
+              <a:pPr lvl="2"/>
+              <a:endParaRPr lang="en-US" altLang="zh-CN" dirty="0">
+                <a:solidFill>
+                  <a:schemeClr val="tx1"/>
+                </a:solidFill>
+                <a:latin typeface="SimSun" panose="02010600030101010101" pitchFamily="2" charset="-122"/>
+                <a:ea typeface="SimSun" panose="02010600030101010101" pitchFamily="2" charset="-122"/>
+              </a:endParaRPr>
+            </a:p>
+            <a:p>
+              <a:pPr lvl="1"/>
+              <a:endParaRPr lang="en-US" altLang="zh-CN" dirty="0">
+                <a:solidFill>
+                  <a:schemeClr val="tx1"/>
+                </a:solidFill>
+                <a:latin typeface="SimSun" panose="02010600030101010101" pitchFamily="2" charset="-122"/>
+                <a:ea typeface="SimSun" panose="02010600030101010101" pitchFamily="2" charset="-122"/>
+              </a:endParaRPr>
+            </a:p>
+          </p:txBody>
+        </p:sp>
+      </p:grpSp>
+    </p:spTree>
+    <p:extLst>
+      <p:ext uri="{BB962C8B-B14F-4D97-AF65-F5344CB8AC3E}">
+        <p14:creationId xmlns:p14="http://schemas.microsoft.com/office/powerpoint/2010/main" val="3253547784"/>
+      </p:ext>
+    </p:extLst>
+  </p:cSld>
+  <p:clrMapOvr>
+    <a:masterClrMapping/>
+  </p:clrMapOvr>
+</p:sld>
+</file>
+
 <file path=ppt/theme/theme1.xml><?xml version="1.0" encoding="utf-8"?>
 <a:theme xmlns:a="http://schemas.openxmlformats.org/drawingml/2006/main" name="Office 主题​​">
   <a:themeElements>

--- a/introduction.pptx
+++ b/introduction.pptx
@@ -199,7 +199,7 @@
           <a:p>
             <a:fld id="{C0546B5F-B17E-4A11-A9CD-A10C644EC78D}" type="datetimeFigureOut">
               <a:rPr lang="zh-CN" altLang="en-US" smtClean="0"/>
-              <a:t>2020/12/20</a:t>
+              <a:t>2021/2/4</a:t>
             </a:fld>
             <a:endParaRPr lang="zh-CN" altLang="en-US"/>
           </a:p>
@@ -781,7 +781,7 @@
           <a:p>
             <a:fld id="{22C6D5CB-9E91-4D8B-8A6F-E7E64CE5E759}" type="datetimeFigureOut">
               <a:rPr lang="zh-CN" altLang="en-US" smtClean="0"/>
-              <a:t>2020/12/20</a:t>
+              <a:t>2021/2/4</a:t>
             </a:fld>
             <a:endParaRPr lang="zh-CN" altLang="en-US"/>
           </a:p>
@@ -979,7 +979,7 @@
           <a:p>
             <a:fld id="{22C6D5CB-9E91-4D8B-8A6F-E7E64CE5E759}" type="datetimeFigureOut">
               <a:rPr lang="zh-CN" altLang="en-US" smtClean="0"/>
-              <a:t>2020/12/20</a:t>
+              <a:t>2021/2/4</a:t>
             </a:fld>
             <a:endParaRPr lang="zh-CN" altLang="en-US"/>
           </a:p>
@@ -1187,7 +1187,7 @@
           <a:p>
             <a:fld id="{22C6D5CB-9E91-4D8B-8A6F-E7E64CE5E759}" type="datetimeFigureOut">
               <a:rPr lang="zh-CN" altLang="en-US" smtClean="0"/>
-              <a:t>2020/12/20</a:t>
+              <a:t>2021/2/4</a:t>
             </a:fld>
             <a:endParaRPr lang="zh-CN" altLang="en-US"/>
           </a:p>
@@ -1385,7 +1385,7 @@
           <a:p>
             <a:fld id="{22C6D5CB-9E91-4D8B-8A6F-E7E64CE5E759}" type="datetimeFigureOut">
               <a:rPr lang="zh-CN" altLang="en-US" smtClean="0"/>
-              <a:t>2020/12/20</a:t>
+              <a:t>2021/2/4</a:t>
             </a:fld>
             <a:endParaRPr lang="zh-CN" altLang="en-US"/>
           </a:p>
@@ -1660,7 +1660,7 @@
           <a:p>
             <a:fld id="{22C6D5CB-9E91-4D8B-8A6F-E7E64CE5E759}" type="datetimeFigureOut">
               <a:rPr lang="zh-CN" altLang="en-US" smtClean="0"/>
-              <a:t>2020/12/20</a:t>
+              <a:t>2021/2/4</a:t>
             </a:fld>
             <a:endParaRPr lang="zh-CN" altLang="en-US"/>
           </a:p>
@@ -1925,7 +1925,7 @@
           <a:p>
             <a:fld id="{22C6D5CB-9E91-4D8B-8A6F-E7E64CE5E759}" type="datetimeFigureOut">
               <a:rPr lang="zh-CN" altLang="en-US" smtClean="0"/>
-              <a:t>2020/12/20</a:t>
+              <a:t>2021/2/4</a:t>
             </a:fld>
             <a:endParaRPr lang="zh-CN" altLang="en-US"/>
           </a:p>
@@ -2337,7 +2337,7 @@
           <a:p>
             <a:fld id="{22C6D5CB-9E91-4D8B-8A6F-E7E64CE5E759}" type="datetimeFigureOut">
               <a:rPr lang="zh-CN" altLang="en-US" smtClean="0"/>
-              <a:t>2020/12/20</a:t>
+              <a:t>2021/2/4</a:t>
             </a:fld>
             <a:endParaRPr lang="zh-CN" altLang="en-US"/>
           </a:p>
@@ -2478,7 +2478,7 @@
           <a:p>
             <a:fld id="{22C6D5CB-9E91-4D8B-8A6F-E7E64CE5E759}" type="datetimeFigureOut">
               <a:rPr lang="zh-CN" altLang="en-US" smtClean="0"/>
-              <a:t>2020/12/20</a:t>
+              <a:t>2021/2/4</a:t>
             </a:fld>
             <a:endParaRPr lang="zh-CN" altLang="en-US"/>
           </a:p>
@@ -2591,7 +2591,7 @@
           <a:p>
             <a:fld id="{22C6D5CB-9E91-4D8B-8A6F-E7E64CE5E759}" type="datetimeFigureOut">
               <a:rPr lang="zh-CN" altLang="en-US" smtClean="0"/>
-              <a:t>2020/12/20</a:t>
+              <a:t>2021/2/4</a:t>
             </a:fld>
             <a:endParaRPr lang="zh-CN" altLang="en-US"/>
           </a:p>
@@ -2902,7 +2902,7 @@
           <a:p>
             <a:fld id="{22C6D5CB-9E91-4D8B-8A6F-E7E64CE5E759}" type="datetimeFigureOut">
               <a:rPr lang="zh-CN" altLang="en-US" smtClean="0"/>
-              <a:t>2020/12/20</a:t>
+              <a:t>2021/2/4</a:t>
             </a:fld>
             <a:endParaRPr lang="zh-CN" altLang="en-US"/>
           </a:p>
@@ -3190,7 +3190,7 @@
           <a:p>
             <a:fld id="{22C6D5CB-9E91-4D8B-8A6F-E7E64CE5E759}" type="datetimeFigureOut">
               <a:rPr lang="zh-CN" altLang="en-US" smtClean="0"/>
-              <a:t>2020/12/20</a:t>
+              <a:t>2021/2/4</a:t>
             </a:fld>
             <a:endParaRPr lang="zh-CN" altLang="en-US"/>
           </a:p>
@@ -3431,7 +3431,7 @@
           <a:p>
             <a:fld id="{22C6D5CB-9E91-4D8B-8A6F-E7E64CE5E759}" type="datetimeFigureOut">
               <a:rPr lang="zh-CN" altLang="en-US" smtClean="0"/>
-              <a:t>2020/12/20</a:t>
+              <a:t>2021/2/4</a:t>
             </a:fld>
             <a:endParaRPr lang="zh-CN" altLang="en-US"/>
           </a:p>
@@ -4384,7 +4384,7 @@
                   <a:latin typeface="SimSun" panose="02010600030101010101" pitchFamily="2" charset="-122"/>
                   <a:ea typeface="SimSun" panose="02010600030101010101" pitchFamily="2" charset="-122"/>
                 </a:rPr>
-                <a:t>15%</a:t>
+                <a:t>6.7%</a:t>
               </a:r>
               <a:r>
                 <a:rPr lang="zh-CN" altLang="en-US" b="1" dirty="0">
